--- a/images/ch2_WBtest.pptx
+++ b/images/ch2_WBtest.pptx
@@ -3537,10 +3537,16 @@
           <a:lstStyle/>
           <a:p>
             <a:r>
-              <a:rPr lang="zh-CN" altLang="en-US" sz="1600"/>
+              <a:rPr lang="zh-CN" altLang="en-US" sz="1600">
+                <a:latin typeface="宋体" panose="02010600030101010101" pitchFamily="2" charset="-122"/>
+                <a:ea typeface="宋体" panose="02010600030101010101" pitchFamily="2" charset="-122"/>
+              </a:rPr>
               <a:t>白盒模型</a:t>
             </a:r>
-            <a:endParaRPr lang="zh-CN" altLang="en-US" sz="1600"/>
+            <a:endParaRPr lang="zh-CN" altLang="en-US" sz="1600">
+              <a:latin typeface="宋体" panose="02010600030101010101" pitchFamily="2" charset="-122"/>
+              <a:ea typeface="宋体" panose="02010600030101010101" pitchFamily="2" charset="-122"/>
+            </a:endParaRPr>
           </a:p>
         </p:txBody>
       </p:sp>
@@ -7278,10 +7284,16 @@
           <a:lstStyle/>
           <a:p>
             <a:r>
-              <a:rPr lang="zh-CN" altLang="en-US" sz="1600"/>
+              <a:rPr lang="zh-CN" altLang="en-US" sz="1600">
+                <a:latin typeface="宋体" panose="02010600030101010101" pitchFamily="2" charset="-122"/>
+                <a:ea typeface="宋体" panose="02010600030101010101" pitchFamily="2" charset="-122"/>
+              </a:rPr>
               <a:t>预测行为抽取</a:t>
             </a:r>
-            <a:endParaRPr lang="zh-CN" altLang="en-US" sz="1600"/>
+            <a:endParaRPr lang="zh-CN" altLang="en-US" sz="1600">
+              <a:latin typeface="宋体" panose="02010600030101010101" pitchFamily="2" charset="-122"/>
+              <a:ea typeface="宋体" panose="02010600030101010101" pitchFamily="2" charset="-122"/>
+            </a:endParaRPr>
           </a:p>
         </p:txBody>
       </p:sp>
@@ -7308,10 +7320,16 @@
           <a:lstStyle/>
           <a:p>
             <a:r>
-              <a:rPr lang="zh-CN" altLang="en-US" sz="1600" dirty="0"/>
+              <a:rPr lang="zh-CN" altLang="en-US" sz="1600" dirty="0">
+                <a:latin typeface="宋体" panose="02010600030101010101" pitchFamily="2" charset="-122"/>
+                <a:ea typeface="宋体" panose="02010600030101010101" pitchFamily="2" charset="-122"/>
+              </a:rPr>
               <a:t>可解释模型</a:t>
             </a:r>
-            <a:endParaRPr lang="zh-CN" altLang="en-US" sz="1600" dirty="0"/>
+            <a:endParaRPr lang="zh-CN" altLang="en-US" sz="1600" dirty="0">
+              <a:latin typeface="宋体" panose="02010600030101010101" pitchFamily="2" charset="-122"/>
+              <a:ea typeface="宋体" panose="02010600030101010101" pitchFamily="2" charset="-122"/>
+            </a:endParaRPr>
           </a:p>
         </p:txBody>
       </p:sp>
@@ -10533,10 +10551,16 @@
           <a:lstStyle/>
           <a:p>
             <a:r>
-              <a:rPr lang="zh-CN" altLang="en-US" sz="1600" dirty="0"/>
+              <a:rPr lang="zh-CN" altLang="en-US" sz="1600" dirty="0">
+                <a:latin typeface="宋体" panose="02010600030101010101" pitchFamily="2" charset="-122"/>
+                <a:ea typeface="宋体" panose="02010600030101010101" pitchFamily="2" charset="-122"/>
+              </a:rPr>
               <a:t>可解释决策路径覆盖度</a:t>
             </a:r>
-            <a:endParaRPr lang="zh-CN" altLang="en-US" sz="1600" dirty="0"/>
+            <a:endParaRPr lang="zh-CN" altLang="en-US" sz="1600" dirty="0">
+              <a:latin typeface="宋体" panose="02010600030101010101" pitchFamily="2" charset="-122"/>
+              <a:ea typeface="宋体" panose="02010600030101010101" pitchFamily="2" charset="-122"/>
+            </a:endParaRPr>
           </a:p>
         </p:txBody>
       </p:sp>
